--- a/doc/Zoom to area gif.pptx
+++ b/doc/Zoom to area gif.pptx
@@ -294,7 +294,7 @@
           <a:p>
             <a:fld id="{1C243D36-5217-48BF-A097-7AA0FC8B35E5}" type="datetimeFigureOut">
               <a:rPr lang="en-US" smtClean="0"/>
-              <a:t>12/15/2013</a:t>
+              <a:t>12/25/2013</a:t>
             </a:fld>
             <a:endParaRPr lang="en-US"/>
           </a:p>
@@ -464,7 +464,7 @@
           <a:p>
             <a:fld id="{1C243D36-5217-48BF-A097-7AA0FC8B35E5}" type="datetimeFigureOut">
               <a:rPr lang="en-US" smtClean="0"/>
-              <a:t>12/15/2013</a:t>
+              <a:t>12/25/2013</a:t>
             </a:fld>
             <a:endParaRPr lang="en-US"/>
           </a:p>
@@ -644,7 +644,7 @@
           <a:p>
             <a:fld id="{1C243D36-5217-48BF-A097-7AA0FC8B35E5}" type="datetimeFigureOut">
               <a:rPr lang="en-US" smtClean="0"/>
-              <a:t>12/15/2013</a:t>
+              <a:t>12/25/2013</a:t>
             </a:fld>
             <a:endParaRPr lang="en-US"/>
           </a:p>
@@ -814,7 +814,7 @@
           <a:p>
             <a:fld id="{1C243D36-5217-48BF-A097-7AA0FC8B35E5}" type="datetimeFigureOut">
               <a:rPr lang="en-US" smtClean="0"/>
-              <a:t>12/15/2013</a:t>
+              <a:t>12/25/2013</a:t>
             </a:fld>
             <a:endParaRPr lang="en-US"/>
           </a:p>
@@ -1067,7 +1067,7 @@
           <a:p>
             <a:fld id="{1C243D36-5217-48BF-A097-7AA0FC8B35E5}" type="datetimeFigureOut">
               <a:rPr lang="en-US" smtClean="0"/>
-              <a:t>12/15/2013</a:t>
+              <a:t>12/25/2013</a:t>
             </a:fld>
             <a:endParaRPr lang="en-US"/>
           </a:p>
@@ -1355,7 +1355,7 @@
           <a:p>
             <a:fld id="{1C243D36-5217-48BF-A097-7AA0FC8B35E5}" type="datetimeFigureOut">
               <a:rPr lang="en-US" smtClean="0"/>
-              <a:t>12/15/2013</a:t>
+              <a:t>12/25/2013</a:t>
             </a:fld>
             <a:endParaRPr lang="en-US"/>
           </a:p>
@@ -1782,7 +1782,7 @@
           <a:p>
             <a:fld id="{1C243D36-5217-48BF-A097-7AA0FC8B35E5}" type="datetimeFigureOut">
               <a:rPr lang="en-US" smtClean="0"/>
-              <a:t>12/15/2013</a:t>
+              <a:t>12/25/2013</a:t>
             </a:fld>
             <a:endParaRPr lang="en-US"/>
           </a:p>
@@ -1900,7 +1900,7 @@
           <a:p>
             <a:fld id="{1C243D36-5217-48BF-A097-7AA0FC8B35E5}" type="datetimeFigureOut">
               <a:rPr lang="en-US" smtClean="0"/>
-              <a:t>12/15/2013</a:t>
+              <a:t>12/25/2013</a:t>
             </a:fld>
             <a:endParaRPr lang="en-US"/>
           </a:p>
@@ -1995,7 +1995,7 @@
           <a:p>
             <a:fld id="{1C243D36-5217-48BF-A097-7AA0FC8B35E5}" type="datetimeFigureOut">
               <a:rPr lang="en-US" smtClean="0"/>
-              <a:t>12/15/2013</a:t>
+              <a:t>12/25/2013</a:t>
             </a:fld>
             <a:endParaRPr lang="en-US"/>
           </a:p>
@@ -2272,7 +2272,7 @@
           <a:p>
             <a:fld id="{1C243D36-5217-48BF-A097-7AA0FC8B35E5}" type="datetimeFigureOut">
               <a:rPr lang="en-US" smtClean="0"/>
-              <a:t>12/15/2013</a:t>
+              <a:t>12/25/2013</a:t>
             </a:fld>
             <a:endParaRPr lang="en-US"/>
           </a:p>
@@ -2525,7 +2525,7 @@
           <a:p>
             <a:fld id="{1C243D36-5217-48BF-A097-7AA0FC8B35E5}" type="datetimeFigureOut">
               <a:rPr lang="en-US" smtClean="0"/>
-              <a:t>12/15/2013</a:t>
+              <a:t>12/25/2013</a:t>
             </a:fld>
             <a:endParaRPr lang="en-US"/>
           </a:p>
@@ -2592,10 +2592,7 @@
     <p:bg>
       <p:bgPr>
         <a:solidFill>
-          <a:schemeClr val="accent6">
-            <a:lumMod val="40000"/>
-            <a:lumOff val="60000"/>
-          </a:schemeClr>
+          <a:schemeClr val="bg1"/>
         </a:solidFill>
         <a:effectLst/>
       </p:bgPr>
@@ -2744,7 +2741,7 @@
           <a:p>
             <a:fld id="{1C243D36-5217-48BF-A097-7AA0FC8B35E5}" type="datetimeFigureOut">
               <a:rPr lang="en-US" smtClean="0"/>
-              <a:t>12/15/2013</a:t>
+              <a:t>12/25/2013</a:t>
             </a:fld>
             <a:endParaRPr lang="en-US"/>
           </a:p>
@@ -2824,6 +2821,54 @@
               <a:rPr lang="en-US" smtClean="0"/>
               <a:t>‹#›</a:t>
             </a:fld>
+            <a:endParaRPr lang="en-US"/>
+          </a:p>
+        </p:txBody>
+      </p:sp>
+      <p:sp>
+        <p:nvSpPr>
+          <p:cNvPr id="7" name="Rectangle 6"/>
+          <p:cNvSpPr/>
+          <p:nvPr userDrawn="1"/>
+        </p:nvSpPr>
+        <p:spPr>
+          <a:xfrm>
+            <a:off x="-1" y="0"/>
+            <a:ext cx="3648456" cy="2734056"/>
+          </a:xfrm>
+          <a:prstGeom prst="rect">
+            <a:avLst/>
+          </a:prstGeom>
+          <a:noFill/>
+          <a:ln>
+            <a:solidFill>
+              <a:schemeClr val="bg1">
+                <a:lumMod val="75000"/>
+              </a:schemeClr>
+            </a:solidFill>
+          </a:ln>
+        </p:spPr>
+        <p:style>
+          <a:lnRef idx="2">
+            <a:schemeClr val="accent1">
+              <a:shade val="50000"/>
+            </a:schemeClr>
+          </a:lnRef>
+          <a:fillRef idx="1">
+            <a:schemeClr val="accent1"/>
+          </a:fillRef>
+          <a:effectRef idx="0">
+            <a:schemeClr val="accent1"/>
+          </a:effectRef>
+          <a:fontRef idx="minor">
+            <a:schemeClr val="lt1"/>
+          </a:fontRef>
+        </p:style>
+        <p:txBody>
+          <a:bodyPr rtlCol="0" anchor="ctr"/>
+          <a:lstStyle/>
+          <a:p>
+            <a:pPr algn="ctr"/>
             <a:endParaRPr lang="en-US"/>
           </a:p>
         </p:txBody>
@@ -3137,7 +3182,7 @@
         <p:blipFill>
           <a:blip r:embed="rId2" cstate="print">
             <a:duotone>
-              <a:schemeClr val="accent6">
+              <a:schemeClr val="bg2">
                 <a:shade val="45000"/>
                 <a:satMod val="135000"/>
               </a:schemeClr>
@@ -3192,11 +3237,11 @@
   <p:clrMapOvr>
     <a:masterClrMapping/>
   </p:clrMapOvr>
-  <mc:AlternateContent xmlns:mc="http://schemas.openxmlformats.org/markup-compatibility/2006">
-    <mc:Choice xmlns:p14="http://schemas.microsoft.com/office/powerpoint/2010/main" Requires="p14">
+  <mc:AlternateContent xmlns:mc="http://schemas.openxmlformats.org/markup-compatibility/2006" xmlns:p14="http://schemas.microsoft.com/office/powerpoint/2010/main">
+    <mc:Choice Requires="p14">
       <p:transition spd="slow" p14:dur="2000" advTm="1000"/>
     </mc:Choice>
-    <mc:Fallback>
+    <mc:Fallback xmlns="">
       <p:transition spd="slow" advTm="1000"/>
     </mc:Fallback>
   </mc:AlternateContent>
@@ -3238,6 +3283,15 @@
         <p:blipFill>
           <a:blip r:embed="rId2">
             <a:extLst>
+              <a:ext uri="{BEBA8EAE-BF5A-486C-A8C5-ECC9F3942E4B}">
+                <a14:imgProps xmlns:a14="http://schemas.microsoft.com/office/drawing/2010/main">
+                  <a14:imgLayer r:embed="rId3">
+                    <a14:imgEffect>
+                      <a14:saturation sat="0"/>
+                    </a14:imgEffect>
+                  </a14:imgLayer>
+                </a14:imgProps>
+              </a:ext>
               <a:ext uri="{28A0092B-C50C-407E-A947-70E740481C1C}">
                 <a14:useLocalDpi xmlns:a14="http://schemas.microsoft.com/office/drawing/2010/main" val="0"/>
               </a:ext>
@@ -3472,6 +3526,15 @@
         <p:blipFill>
           <a:blip r:embed="rId2">
             <a:extLst>
+              <a:ext uri="{BEBA8EAE-BF5A-486C-A8C5-ECC9F3942E4B}">
+                <a14:imgProps xmlns:a14="http://schemas.microsoft.com/office/drawing/2010/main">
+                  <a14:imgLayer r:embed="rId3">
+                    <a14:imgEffect>
+                      <a14:saturation sat="0"/>
+                    </a14:imgEffect>
+                  </a14:imgLayer>
+                </a14:imgProps>
+              </a:ext>
               <a:ext uri="{28A0092B-C50C-407E-A947-70E740481C1C}">
                 <a14:useLocalDpi xmlns:a14="http://schemas.microsoft.com/office/drawing/2010/main" val="0"/>
               </a:ext>
@@ -3494,7 +3557,6 @@
           <a:ln>
             <a:noFill/>
           </a:ln>
-          <a:effectLst/>
           <a:extLst>
             <a:ext uri="{909E8E84-426E-40DD-AFC4-6F175D3DCCD1}">
               <a14:hiddenFill xmlns:a14="http://schemas.microsoft.com/office/drawing/2010/main">
@@ -3534,7 +3596,7 @@
           <p:nvPr/>
         </p:nvPicPr>
         <p:blipFill>
-          <a:blip r:embed="rId3" cstate="print">
+          <a:blip r:embed="rId4" cstate="print">
             <a:extLst>
               <a:ext uri="{28A0092B-C50C-407E-A947-70E740481C1C}">
                 <a14:useLocalDpi xmlns:a14="http://schemas.microsoft.com/office/drawing/2010/main" val="0"/>
@@ -3565,11 +3627,11 @@
   <p:clrMapOvr>
     <a:masterClrMapping/>
   </p:clrMapOvr>
-  <mc:AlternateContent xmlns:mc="http://schemas.openxmlformats.org/markup-compatibility/2006">
-    <mc:Choice xmlns:p14="http://schemas.microsoft.com/office/powerpoint/2010/main" Requires="p14">
+  <mc:AlternateContent xmlns:mc="http://schemas.openxmlformats.org/markup-compatibility/2006" xmlns:p14="http://schemas.microsoft.com/office/powerpoint/2010/main">
+    <mc:Choice Requires="p14">
       <p:transition spd="slow" p14:dur="2000" advClick="0" advTm="0"/>
     </mc:Choice>
-    <mc:Fallback>
+    <mc:Fallback xmlns="">
       <p:transition spd="slow" advClick="0" advTm="0"/>
     </mc:Fallback>
   </mc:AlternateContent>
@@ -3731,6 +3793,15 @@
         <p:blipFill>
           <a:blip r:embed="rId2">
             <a:extLst>
+              <a:ext uri="{BEBA8EAE-BF5A-486C-A8C5-ECC9F3942E4B}">
+                <a14:imgProps xmlns:a14="http://schemas.microsoft.com/office/drawing/2010/main">
+                  <a14:imgLayer r:embed="rId3">
+                    <a14:imgEffect>
+                      <a14:saturation sat="0"/>
+                    </a14:imgEffect>
+                  </a14:imgLayer>
+                </a14:imgProps>
+              </a:ext>
               <a:ext uri="{28A0092B-C50C-407E-A947-70E740481C1C}">
                 <a14:useLocalDpi xmlns:a14="http://schemas.microsoft.com/office/drawing/2010/main" val="0"/>
               </a:ext>
@@ -3753,7 +3824,6 @@
           <a:ln>
             <a:noFill/>
           </a:ln>
-          <a:effectLst/>
           <a:extLst>
             <a:ext uri="{909E8E84-426E-40DD-AFC4-6F175D3DCCD1}">
               <a14:hiddenFill xmlns:a14="http://schemas.microsoft.com/office/drawing/2010/main">
@@ -3794,11 +3864,11 @@
   <p:clrMapOvr>
     <a:masterClrMapping/>
   </p:clrMapOvr>
-  <mc:AlternateContent xmlns:mc="http://schemas.openxmlformats.org/markup-compatibility/2006">
-    <mc:Choice xmlns:p14="http://schemas.microsoft.com/office/powerpoint/2010/main" Requires="p14">
+  <mc:AlternateContent xmlns:mc="http://schemas.openxmlformats.org/markup-compatibility/2006" xmlns:p14="http://schemas.microsoft.com/office/powerpoint/2010/main">
+    <mc:Choice Requires="p14">
       <p:transition spd="med" p14:dur="700" advTm="1000"/>
     </mc:Choice>
-    <mc:Fallback>
+    <mc:Fallback xmlns="">
       <p:transition spd="med" advTm="1000"/>
     </mc:Fallback>
   </mc:AlternateContent>
@@ -3840,6 +3910,15 @@
         <p:blipFill>
           <a:blip r:embed="rId2">
             <a:extLst>
+              <a:ext uri="{BEBA8EAE-BF5A-486C-A8C5-ECC9F3942E4B}">
+                <a14:imgProps xmlns:a14="http://schemas.microsoft.com/office/drawing/2010/main">
+                  <a14:imgLayer r:embed="rId3">
+                    <a14:imgEffect>
+                      <a14:saturation sat="0"/>
+                    </a14:imgEffect>
+                  </a14:imgLayer>
+                </a14:imgProps>
+              </a:ext>
               <a:ext uri="{28A0092B-C50C-407E-A947-70E740481C1C}">
                 <a14:useLocalDpi xmlns:a14="http://schemas.microsoft.com/office/drawing/2010/main" val="0"/>
               </a:ext>
@@ -3862,7 +3941,6 @@
           <a:ln>
             <a:noFill/>
           </a:ln>
-          <a:effectLst/>
           <a:extLst>
             <a:ext uri="{909E8E84-426E-40DD-AFC4-6F175D3DCCD1}">
               <a14:hiddenFill xmlns:a14="http://schemas.microsoft.com/office/drawing/2010/main">
@@ -3902,7 +3980,7 @@
           <p:nvPr/>
         </p:nvPicPr>
         <p:blipFill>
-          <a:blip r:embed="rId3" cstate="print">
+          <a:blip r:embed="rId4" cstate="print">
             <a:extLst>
               <a:ext uri="{28A0092B-C50C-407E-A947-70E740481C1C}">
                 <a14:useLocalDpi xmlns:a14="http://schemas.microsoft.com/office/drawing/2010/main" val="0"/>
@@ -3933,11 +4011,11 @@
   <p:clrMapOvr>
     <a:masterClrMapping/>
   </p:clrMapOvr>
-  <mc:AlternateContent xmlns:mc="http://schemas.openxmlformats.org/markup-compatibility/2006">
-    <mc:Choice xmlns:p14="http://schemas.microsoft.com/office/powerpoint/2010/main" Requires="p14">
+  <mc:AlternateContent xmlns:mc="http://schemas.openxmlformats.org/markup-compatibility/2006" xmlns:p14="http://schemas.microsoft.com/office/powerpoint/2010/main">
+    <mc:Choice Requires="p14">
       <p:transition spd="med" p14:dur="700" advClick="0" advTm="0"/>
     </mc:Choice>
-    <mc:Fallback>
+    <mc:Fallback xmlns="">
       <p:transition spd="med" advClick="0" advTm="0"/>
     </mc:Fallback>
   </mc:AlternateContent>
@@ -4090,6 +4168,15 @@
         <p:blipFill>
           <a:blip r:embed="rId2">
             <a:extLst>
+              <a:ext uri="{BEBA8EAE-BF5A-486C-A8C5-ECC9F3942E4B}">
+                <a14:imgProps xmlns:a14="http://schemas.microsoft.com/office/drawing/2010/main">
+                  <a14:imgLayer r:embed="rId3">
+                    <a14:imgEffect>
+                      <a14:saturation sat="0"/>
+                    </a14:imgEffect>
+                  </a14:imgLayer>
+                </a14:imgProps>
+              </a:ext>
               <a:ext uri="{28A0092B-C50C-407E-A947-70E740481C1C}">
                 <a14:useLocalDpi xmlns:a14="http://schemas.microsoft.com/office/drawing/2010/main" val="0"/>
               </a:ext>
@@ -4112,7 +4199,6 @@
           <a:ln>
             <a:noFill/>
           </a:ln>
-          <a:effectLst/>
           <a:extLst>
             <a:ext uri="{909E8E84-426E-40DD-AFC4-6F175D3DCCD1}">
               <a14:hiddenFill xmlns:a14="http://schemas.microsoft.com/office/drawing/2010/main">
@@ -4153,11 +4239,11 @@
   <p:clrMapOvr>
     <a:masterClrMapping/>
   </p:clrMapOvr>
-  <mc:AlternateContent xmlns:mc="http://schemas.openxmlformats.org/markup-compatibility/2006">
-    <mc:Choice xmlns:p14="http://schemas.microsoft.com/office/powerpoint/2010/main" Requires="p14">
+  <mc:AlternateContent xmlns:mc="http://schemas.openxmlformats.org/markup-compatibility/2006" xmlns:p14="http://schemas.microsoft.com/office/powerpoint/2010/main">
+    <mc:Choice Requires="p14">
       <p:transition spd="slow" p14:dur="2000" advTm="1000"/>
     </mc:Choice>
-    <mc:Fallback>
+    <mc:Fallback xmlns="">
       <p:transition spd="slow" advTm="1000"/>
     </mc:Fallback>
   </mc:AlternateContent>
@@ -4246,11 +4332,11 @@
   <p:clrMapOvr>
     <a:masterClrMapping/>
   </p:clrMapOvr>
-  <mc:AlternateContent xmlns:mc="http://schemas.openxmlformats.org/markup-compatibility/2006">
-    <mc:Choice xmlns:p14="http://schemas.microsoft.com/office/powerpoint/2010/main" Requires="p14">
+  <mc:AlternateContent xmlns:mc="http://schemas.openxmlformats.org/markup-compatibility/2006" xmlns:p14="http://schemas.microsoft.com/office/powerpoint/2010/main">
+    <mc:Choice Requires="p14">
       <p:transition spd="slow" p14:dur="2000"/>
     </mc:Choice>
-    <mc:Fallback>
+    <mc:Fallback xmlns="">
       <p:transition spd="slow"/>
     </mc:Fallback>
   </mc:AlternateContent>

--- a/doc/Zoom to area gif.pptx
+++ b/doc/Zoom to area gif.pptx
@@ -6,12 +6,14 @@
   </p:sldMasterIdLst>
   <p:sldIdLst>
     <p:sldId id="285" r:id="rId2"/>
-    <p:sldId id="291" r:id="rId3"/>
-    <p:sldId id="292" r:id="rId4"/>
-    <p:sldId id="286" r:id="rId5"/>
-    <p:sldId id="294" r:id="rId6"/>
-    <p:sldId id="293" r:id="rId7"/>
-    <p:sldId id="288" r:id="rId8"/>
+    <p:sldId id="301" r:id="rId3"/>
+    <p:sldId id="291" r:id="rId4"/>
+    <p:sldId id="296" r:id="rId5"/>
+    <p:sldId id="295" r:id="rId6"/>
+    <p:sldId id="299" r:id="rId7"/>
+    <p:sldId id="300" r:id="rId8"/>
+    <p:sldId id="297" r:id="rId9"/>
+    <p:sldId id="288" r:id="rId10"/>
   </p:sldIdLst>
   <p:sldSz cx="3657600" cy="2743200"/>
   <p:notesSz cx="6858000" cy="9144000"/>
@@ -294,7 +296,7 @@
           <a:p>
             <a:fld id="{1C243D36-5217-48BF-A097-7AA0FC8B35E5}" type="datetimeFigureOut">
               <a:rPr lang="en-US" smtClean="0"/>
-              <a:t>12/25/2013</a:t>
+              <a:t>12/27/2013</a:t>
             </a:fld>
             <a:endParaRPr lang="en-US"/>
           </a:p>
@@ -464,7 +466,7 @@
           <a:p>
             <a:fld id="{1C243D36-5217-48BF-A097-7AA0FC8B35E5}" type="datetimeFigureOut">
               <a:rPr lang="en-US" smtClean="0"/>
-              <a:t>12/25/2013</a:t>
+              <a:t>12/27/2013</a:t>
             </a:fld>
             <a:endParaRPr lang="en-US"/>
           </a:p>
@@ -644,7 +646,7 @@
           <a:p>
             <a:fld id="{1C243D36-5217-48BF-A097-7AA0FC8B35E5}" type="datetimeFigureOut">
               <a:rPr lang="en-US" smtClean="0"/>
-              <a:t>12/25/2013</a:t>
+              <a:t>12/27/2013</a:t>
             </a:fld>
             <a:endParaRPr lang="en-US"/>
           </a:p>
@@ -814,7 +816,7 @@
           <a:p>
             <a:fld id="{1C243D36-5217-48BF-A097-7AA0FC8B35E5}" type="datetimeFigureOut">
               <a:rPr lang="en-US" smtClean="0"/>
-              <a:t>12/25/2013</a:t>
+              <a:t>12/27/2013</a:t>
             </a:fld>
             <a:endParaRPr lang="en-US"/>
           </a:p>
@@ -1067,7 +1069,7 @@
           <a:p>
             <a:fld id="{1C243D36-5217-48BF-A097-7AA0FC8B35E5}" type="datetimeFigureOut">
               <a:rPr lang="en-US" smtClean="0"/>
-              <a:t>12/25/2013</a:t>
+              <a:t>12/27/2013</a:t>
             </a:fld>
             <a:endParaRPr lang="en-US"/>
           </a:p>
@@ -1355,7 +1357,7 @@
           <a:p>
             <a:fld id="{1C243D36-5217-48BF-A097-7AA0FC8B35E5}" type="datetimeFigureOut">
               <a:rPr lang="en-US" smtClean="0"/>
-              <a:t>12/25/2013</a:t>
+              <a:t>12/27/2013</a:t>
             </a:fld>
             <a:endParaRPr lang="en-US"/>
           </a:p>
@@ -1782,7 +1784,7 @@
           <a:p>
             <a:fld id="{1C243D36-5217-48BF-A097-7AA0FC8B35E5}" type="datetimeFigureOut">
               <a:rPr lang="en-US" smtClean="0"/>
-              <a:t>12/25/2013</a:t>
+              <a:t>12/27/2013</a:t>
             </a:fld>
             <a:endParaRPr lang="en-US"/>
           </a:p>
@@ -1900,7 +1902,7 @@
           <a:p>
             <a:fld id="{1C243D36-5217-48BF-A097-7AA0FC8B35E5}" type="datetimeFigureOut">
               <a:rPr lang="en-US" smtClean="0"/>
-              <a:t>12/25/2013</a:t>
+              <a:t>12/27/2013</a:t>
             </a:fld>
             <a:endParaRPr lang="en-US"/>
           </a:p>
@@ -1995,7 +1997,7 @@
           <a:p>
             <a:fld id="{1C243D36-5217-48BF-A097-7AA0FC8B35E5}" type="datetimeFigureOut">
               <a:rPr lang="en-US" smtClean="0"/>
-              <a:t>12/25/2013</a:t>
+              <a:t>12/27/2013</a:t>
             </a:fld>
             <a:endParaRPr lang="en-US"/>
           </a:p>
@@ -2272,7 +2274,7 @@
           <a:p>
             <a:fld id="{1C243D36-5217-48BF-A097-7AA0FC8B35E5}" type="datetimeFigureOut">
               <a:rPr lang="en-US" smtClean="0"/>
-              <a:t>12/25/2013</a:t>
+              <a:t>12/27/2013</a:t>
             </a:fld>
             <a:endParaRPr lang="en-US"/>
           </a:p>
@@ -2525,7 +2527,7 @@
           <a:p>
             <a:fld id="{1C243D36-5217-48BF-A097-7AA0FC8B35E5}" type="datetimeFigureOut">
               <a:rPr lang="en-US" smtClean="0"/>
-              <a:t>12/25/2013</a:t>
+              <a:t>12/27/2013</a:t>
             </a:fld>
             <a:endParaRPr lang="en-US"/>
           </a:p>
@@ -2741,7 +2743,7 @@
           <a:p>
             <a:fld id="{1C243D36-5217-48BF-A097-7AA0FC8B35E5}" type="datetimeFigureOut">
               <a:rPr lang="en-US" smtClean="0"/>
-              <a:t>12/25/2013</a:t>
+              <a:t>12/27/2013</a:t>
             </a:fld>
             <a:endParaRPr lang="en-US"/>
           </a:p>
@@ -3173,14 +3175,14 @@
       </p:grpSpPr>
       <p:pic>
         <p:nvPicPr>
-          <p:cNvPr id="4" name="Picture 3"/>
+          <p:cNvPr id="3" name="Picture 2" descr="File:AmineTreating.png"/>
           <p:cNvPicPr>
-            <a:picLocks noChangeAspect="1"/>
+            <a:picLocks noChangeAspect="1" noChangeArrowheads="1"/>
           </p:cNvPicPr>
           <p:nvPr/>
         </p:nvPicPr>
-        <p:blipFill>
-          <a:blip r:embed="rId2" cstate="print">
+        <p:blipFill rotWithShape="1">
+          <a:blip r:embed="rId2">
             <a:duotone>
               <a:schemeClr val="bg2">
                 <a:shade val="45000"/>
@@ -3189,42 +3191,32 @@
               <a:prstClr val="white"/>
             </a:duotone>
             <a:extLst>
-              <a:ext uri="{BEBA8EAE-BF5A-486C-A8C5-ECC9F3942E4B}">
-                <a14:imgProps xmlns:a14="http://schemas.microsoft.com/office/drawing/2010/main">
-                  <a14:imgLayer r:embed="rId3">
-                    <a14:imgEffect>
-                      <a14:backgroundRemoval t="0" b="100000" l="0" r="100000">
-                        <a14:foregroundMark x1="9773" y1="15606" x2="10682" y2="17424"/>
-                        <a14:foregroundMark x1="10455" y1="22879" x2="11364" y2="26515"/>
-                        <a14:backgroundMark x1="70795" y1="31212" x2="77955" y2="46970"/>
-                      </a14:backgroundRemoval>
-                    </a14:imgEffect>
-                    <a14:imgEffect>
-                      <a14:saturation sat="0"/>
-                    </a14:imgEffect>
-                    <a14:imgEffect>
-                      <a14:brightnessContrast bright="40000" contrast="-40000"/>
-                    </a14:imgEffect>
-                  </a14:imgLayer>
-                </a14:imgProps>
-              </a:ext>
               <a:ext uri="{28A0092B-C50C-407E-A947-70E740481C1C}">
                 <a14:useLocalDpi xmlns:a14="http://schemas.microsoft.com/office/drawing/2010/main" val="0"/>
               </a:ext>
             </a:extLst>
           </a:blip>
-          <a:stretch>
-            <a:fillRect/>
-          </a:stretch>
+          <a:srcRect l="1320" t="1116" r="1244" b="1666"/>
+          <a:stretch/>
         </p:blipFill>
-        <p:spPr>
+        <p:spPr bwMode="auto">
           <a:xfrm>
-            <a:off x="0" y="0"/>
-            <a:ext cx="3657600" cy="2743200"/>
+            <a:off x="381000" y="76200"/>
+            <a:ext cx="2971800" cy="2593571"/>
           </a:xfrm>
           <a:prstGeom prst="rect">
             <a:avLst/>
           </a:prstGeom>
+          <a:noFill/>
+          <a:extLst>
+            <a:ext uri="{909E8E84-426E-40DD-AFC4-6F175D3DCCD1}">
+              <a14:hiddenFill xmlns:a14="http://schemas.microsoft.com/office/drawing/2010/main">
+                <a:solidFill>
+                  <a:srgbClr val="FFFFFF"/>
+                </a:solidFill>
+              </a14:hiddenFill>
+            </a:ext>
+          </a:extLst>
         </p:spPr>
       </p:pic>
     </p:spTree>
@@ -3274,73 +3266,46 @@
       </p:grpSpPr>
       <p:pic>
         <p:nvPicPr>
-          <p:cNvPr id="1026" name="Picture 2"/>
+          <p:cNvPr id="4" name="Picture 3" descr="File:AmineTreating.png"/>
           <p:cNvPicPr>
             <a:picLocks noChangeAspect="1" noChangeArrowheads="1"/>
           </p:cNvPicPr>
           <p:nvPr/>
         </p:nvPicPr>
-        <p:blipFill>
+        <p:blipFill rotWithShape="1">
           <a:blip r:embed="rId2">
+            <a:duotone>
+              <a:schemeClr val="bg2">
+                <a:shade val="45000"/>
+                <a:satMod val="135000"/>
+              </a:schemeClr>
+              <a:prstClr val="white"/>
+            </a:duotone>
             <a:extLst>
-              <a:ext uri="{BEBA8EAE-BF5A-486C-A8C5-ECC9F3942E4B}">
-                <a14:imgProps xmlns:a14="http://schemas.microsoft.com/office/drawing/2010/main">
-                  <a14:imgLayer r:embed="rId3">
-                    <a14:imgEffect>
-                      <a14:saturation sat="0"/>
-                    </a14:imgEffect>
-                  </a14:imgLayer>
-                </a14:imgProps>
-              </a:ext>
               <a:ext uri="{28A0092B-C50C-407E-A947-70E740481C1C}">
                 <a14:useLocalDpi xmlns:a14="http://schemas.microsoft.com/office/drawing/2010/main" val="0"/>
               </a:ext>
             </a:extLst>
           </a:blip>
-          <a:srcRect/>
-          <a:stretch>
-            <a:fillRect/>
-          </a:stretch>
+          <a:srcRect l="1320" t="1116" r="1244" b="1666"/>
+          <a:stretch/>
         </p:blipFill>
         <p:spPr bwMode="auto">
           <a:xfrm>
-            <a:off x="0" y="0"/>
-            <a:ext cx="3657600" cy="2743200"/>
+            <a:off x="381000" y="76200"/>
+            <a:ext cx="2971800" cy="2593571"/>
           </a:xfrm>
           <a:prstGeom prst="rect">
             <a:avLst/>
           </a:prstGeom>
           <a:noFill/>
-          <a:ln>
-            <a:noFill/>
-          </a:ln>
-          <a:effectLst/>
           <a:extLst>
             <a:ext uri="{909E8E84-426E-40DD-AFC4-6F175D3DCCD1}">
               <a14:hiddenFill xmlns:a14="http://schemas.microsoft.com/office/drawing/2010/main">
                 <a:solidFill>
-                  <a:schemeClr val="accent1"/>
+                  <a:srgbClr val="FFFFFF"/>
                 </a:solidFill>
               </a14:hiddenFill>
-            </a:ext>
-            <a:ext uri="{91240B29-F687-4F45-9708-019B960494DF}">
-              <a14:hiddenLine xmlns:a14="http://schemas.microsoft.com/office/drawing/2010/main" w="9525">
-                <a:solidFill>
-                  <a:schemeClr val="tx1"/>
-                </a:solidFill>
-                <a:miter lim="800000"/>
-                <a:headEnd/>
-                <a:tailEnd/>
-              </a14:hiddenLine>
-            </a:ext>
-            <a:ext uri="{AF507438-7753-43E0-B8FC-AC1667EBCBE1}">
-              <a14:hiddenEffects xmlns:a14="http://schemas.microsoft.com/office/drawing/2010/main">
-                <a:effectLst>
-                  <a:outerShdw dist="35921" dir="2700000" algn="ctr" rotWithShape="0">
-                    <a:schemeClr val="bg2"/>
-                  </a:outerShdw>
-                </a:effectLst>
-              </a14:hiddenEffects>
             </a:ext>
           </a:extLst>
         </p:spPr>
@@ -3353,8 +3318,8 @@
         </p:nvSpPr>
         <p:spPr>
           <a:xfrm>
-            <a:off x="304800" y="359100"/>
-            <a:ext cx="1248400" cy="936300"/>
+            <a:off x="457199" y="85060"/>
+            <a:ext cx="1308987" cy="981740"/>
           </a:xfrm>
           <a:prstGeom prst="rect">
             <a:avLst/>
@@ -3394,7 +3359,7 @@
     </p:spTree>
     <p:extLst>
       <p:ext uri="{BB962C8B-B14F-4D97-AF65-F5344CB8AC3E}">
-        <p14:creationId xmlns:p14="http://schemas.microsoft.com/office/powerpoint/2010/main" val="1986035423"/>
+        <p14:creationId xmlns:p14="http://schemas.microsoft.com/office/powerpoint/2010/main" val="2343286436"/>
       </p:ext>
     </p:extLst>
   </p:cSld>
@@ -3421,6 +3386,9 @@
                     <p:cTn id="3" fill="hold">
                       <p:stCondLst>
                         <p:cond delay="indefinite"/>
+                        <p:cond evt="onBegin" delay="0">
+                          <p:tn val="2"/>
+                        </p:cond>
                       </p:stCondLst>
                       <p:childTnLst>
                         <p:par>
@@ -3430,7 +3398,7 @@
                             </p:stCondLst>
                             <p:childTnLst>
                               <p:par>
-                                <p:cTn id="5" presetID="21" presetClass="entr" presetSubtype="1" fill="hold" grpId="0" nodeType="clickEffect">
+                                <p:cTn id="5" presetID="21" presetClass="entr" presetSubtype="1" fill="hold" grpId="0" nodeType="withEffect">
                                   <p:stCondLst>
                                     <p:cond delay="0"/>
                                   </p:stCondLst>
@@ -3499,8 +3467,8 @@
 </file>
 
 <file path=ppt/slides/slide3.xml><?xml version="1.0" encoding="utf-8"?>
-<p:sld xmlns:a="http://schemas.openxmlformats.org/drawingml/2006/main" xmlns:r="http://schemas.openxmlformats.org/officeDocument/2006/relationships" xmlns:p="http://schemas.openxmlformats.org/presentationml/2006/main">
-  <p:cSld name="PPSlide201312152222297060">
+<p:sld xmlns:a="http://schemas.openxmlformats.org/drawingml/2006/main" xmlns:r="http://schemas.openxmlformats.org/officeDocument/2006/relationships" xmlns:p="http://schemas.openxmlformats.org/presentationml/2006/main" show="0">
+  <p:cSld>
     <p:spTree>
       <p:nvGrpSpPr>
         <p:cNvPr id="1" name=""/>
@@ -3515,88 +3483,266 @@
           <a:chExt cx="0" cy="0"/>
         </a:xfrm>
       </p:grpSpPr>
+      <p:grpSp>
+        <p:nvGrpSpPr>
+          <p:cNvPr id="2" name="Group 1"/>
+          <p:cNvGrpSpPr/>
+          <p:nvPr/>
+        </p:nvGrpSpPr>
+        <p:grpSpPr>
+          <a:xfrm>
+            <a:off x="381000" y="76200"/>
+            <a:ext cx="2971800" cy="2593571"/>
+            <a:chOff x="381000" y="76200"/>
+            <a:chExt cx="2971800" cy="2593571"/>
+          </a:xfrm>
+        </p:grpSpPr>
+        <p:pic>
+          <p:nvPicPr>
+            <p:cNvPr id="4" name="Picture 3" descr="File:AmineTreating.png"/>
+            <p:cNvPicPr>
+              <a:picLocks noChangeAspect="1" noChangeArrowheads="1"/>
+            </p:cNvPicPr>
+            <p:nvPr/>
+          </p:nvPicPr>
+          <p:blipFill rotWithShape="1">
+            <a:blip r:embed="rId2">
+              <a:duotone>
+                <a:schemeClr val="bg2">
+                  <a:shade val="45000"/>
+                  <a:satMod val="135000"/>
+                </a:schemeClr>
+                <a:prstClr val="white"/>
+              </a:duotone>
+              <a:extLst>
+                <a:ext uri="{28A0092B-C50C-407E-A947-70E740481C1C}">
+                  <a14:useLocalDpi xmlns:a14="http://schemas.microsoft.com/office/drawing/2010/main" val="0"/>
+                </a:ext>
+              </a:extLst>
+            </a:blip>
+            <a:srcRect l="1320" t="1116" r="1244" b="1666"/>
+            <a:stretch/>
+          </p:blipFill>
+          <p:spPr bwMode="auto">
+            <a:xfrm>
+              <a:off x="381000" y="76200"/>
+              <a:ext cx="2971800" cy="2593571"/>
+            </a:xfrm>
+            <a:prstGeom prst="rect">
+              <a:avLst/>
+            </a:prstGeom>
+            <a:noFill/>
+            <a:extLst>
+              <a:ext uri="{909E8E84-426E-40DD-AFC4-6F175D3DCCD1}">
+                <a14:hiddenFill xmlns:a14="http://schemas.microsoft.com/office/drawing/2010/main">
+                  <a:solidFill>
+                    <a:srgbClr val="FFFFFF"/>
+                  </a:solidFill>
+                </a14:hiddenFill>
+              </a:ext>
+            </a:extLst>
+          </p:spPr>
+        </p:pic>
+        <p:sp>
+          <p:nvSpPr>
+            <p:cNvPr id="5" name="Rectangle 4"/>
+            <p:cNvSpPr/>
+            <p:nvPr/>
+          </p:nvSpPr>
+          <p:spPr>
+            <a:xfrm>
+              <a:off x="457199" y="85060"/>
+              <a:ext cx="1308987" cy="981740"/>
+            </a:xfrm>
+            <a:prstGeom prst="rect">
+              <a:avLst/>
+            </a:prstGeom>
+            <a:noFill/>
+            <a:ln>
+              <a:solidFill>
+                <a:srgbClr val="0070C0"/>
+              </a:solidFill>
+            </a:ln>
+          </p:spPr>
+          <p:style>
+            <a:lnRef idx="2">
+              <a:schemeClr val="accent1">
+                <a:shade val="50000"/>
+              </a:schemeClr>
+            </a:lnRef>
+            <a:fillRef idx="1">
+              <a:schemeClr val="accent1"/>
+            </a:fillRef>
+            <a:effectRef idx="0">
+              <a:schemeClr val="accent1"/>
+            </a:effectRef>
+            <a:fontRef idx="minor">
+              <a:schemeClr val="lt1"/>
+            </a:fontRef>
+          </p:style>
+          <p:txBody>
+            <a:bodyPr rtlCol="0" anchor="ctr"/>
+            <a:lstStyle/>
+            <a:p>
+              <a:pPr algn="ctr"/>
+              <a:endParaRPr lang="en-US"/>
+            </a:p>
+          </p:txBody>
+        </p:sp>
+      </p:grpSp>
+    </p:spTree>
+    <p:extLst>
+      <p:ext uri="{BB962C8B-B14F-4D97-AF65-F5344CB8AC3E}">
+        <p14:creationId xmlns:p14="http://schemas.microsoft.com/office/powerpoint/2010/main" val="1986035423"/>
+      </p:ext>
+    </p:extLst>
+  </p:cSld>
+  <p:clrMapOvr>
+    <a:masterClrMapping/>
+  </p:clrMapOvr>
+  <p:transition spd="slow" advTm="1000"/>
+  <p:timing>
+    <p:tnLst>
+      <p:par>
+        <p:cTn id="1" dur="indefinite" restart="never" nodeType="tmRoot"/>
+      </p:par>
+    </p:tnLst>
+  </p:timing>
+</p:sld>
+</file>
+
+<file path=ppt/slides/slide4.xml><?xml version="1.0" encoding="utf-8"?>
+<p:sld xmlns:a="http://schemas.openxmlformats.org/drawingml/2006/main" xmlns:r="http://schemas.openxmlformats.org/officeDocument/2006/relationships" xmlns:p="http://schemas.openxmlformats.org/presentationml/2006/main">
+  <p:cSld name="PPSlide201312271400457661">
+    <p:spTree>
+      <p:nvGrpSpPr>
+        <p:cNvPr id="1" name=""/>
+        <p:cNvGrpSpPr/>
+        <p:nvPr/>
+      </p:nvGrpSpPr>
+      <p:grpSpPr>
+        <a:xfrm>
+          <a:off x="0" y="0"/>
+          <a:ext cx="0" cy="0"/>
+          <a:chOff x="0" y="0"/>
+          <a:chExt cx="0" cy="0"/>
+        </a:xfrm>
+      </p:grpSpPr>
+      <p:grpSp>
+        <p:nvGrpSpPr>
+          <p:cNvPr id="2" name="Group 1"/>
+          <p:cNvGrpSpPr/>
+          <p:nvPr/>
+        </p:nvGrpSpPr>
+        <p:grpSpPr>
+          <a:xfrm>
+            <a:off x="381000" y="76200"/>
+            <a:ext cx="2971800" cy="2593571"/>
+            <a:chOff x="381000" y="76200"/>
+            <a:chExt cx="2971800" cy="2593571"/>
+          </a:xfrm>
+        </p:grpSpPr>
+        <p:pic>
+          <p:nvPicPr>
+            <p:cNvPr id="4" name="Picture 3" descr="File:AmineTreating.png"/>
+            <p:cNvPicPr>
+              <a:picLocks noChangeAspect="1" noChangeArrowheads="1"/>
+            </p:cNvPicPr>
+            <p:nvPr/>
+          </p:nvPicPr>
+          <p:blipFill rotWithShape="1">
+            <a:blip r:embed="rId2">
+              <a:duotone>
+                <a:schemeClr val="bg2">
+                  <a:shade val="45000"/>
+                  <a:satMod val="135000"/>
+                </a:schemeClr>
+                <a:prstClr val="white"/>
+              </a:duotone>
+              <a:extLst>
+                <a:ext uri="{28A0092B-C50C-407E-A947-70E740481C1C}">
+                  <a14:useLocalDpi xmlns:a14="http://schemas.microsoft.com/office/drawing/2010/main" val="0"/>
+                </a:ext>
+              </a:extLst>
+            </a:blip>
+            <a:srcRect l="1320" t="1116" r="1244" b="1666"/>
+            <a:stretch/>
+          </p:blipFill>
+          <p:spPr bwMode="auto">
+            <a:xfrm>
+              <a:off x="381000" y="76200"/>
+              <a:ext cx="2971800" cy="2593571"/>
+            </a:xfrm>
+            <a:prstGeom prst="rect">
+              <a:avLst/>
+            </a:prstGeom>
+            <a:noFill/>
+            <a:extLst>
+              <a:ext uri="{909E8E84-426E-40DD-AFC4-6F175D3DCCD1}">
+                <a14:hiddenFill xmlns:a14="http://schemas.microsoft.com/office/drawing/2010/main">
+                  <a:solidFill>
+                    <a:srgbClr val="FFFFFF"/>
+                  </a:solidFill>
+                </a14:hiddenFill>
+              </a:ext>
+            </a:extLst>
+          </p:spPr>
+        </p:pic>
+        <p:sp>
+          <p:nvSpPr>
+            <p:cNvPr id="5" name="Rectangle 4"/>
+            <p:cNvSpPr/>
+            <p:nvPr/>
+          </p:nvSpPr>
+          <p:spPr>
+            <a:xfrm>
+              <a:off x="457199" y="85060"/>
+              <a:ext cx="1308987" cy="981740"/>
+            </a:xfrm>
+            <a:prstGeom prst="rect">
+              <a:avLst/>
+            </a:prstGeom>
+            <a:noFill/>
+            <a:ln>
+              <a:noFill/>
+            </a:ln>
+          </p:spPr>
+          <p:style>
+            <a:lnRef idx="2">
+              <a:schemeClr val="accent1">
+                <a:shade val="50000"/>
+              </a:schemeClr>
+            </a:lnRef>
+            <a:fillRef idx="1">
+              <a:schemeClr val="accent1"/>
+            </a:fillRef>
+            <a:effectRef idx="0">
+              <a:schemeClr val="accent1"/>
+            </a:effectRef>
+            <a:fontRef idx="minor">
+              <a:schemeClr val="lt1"/>
+            </a:fontRef>
+          </p:style>
+          <p:txBody>
+            <a:bodyPr rtlCol="0" anchor="ctr"/>
+            <a:lstStyle/>
+            <a:p>
+              <a:pPr algn="ctr"/>
+              <a:endParaRPr lang="en-US"/>
+            </a:p>
+          </p:txBody>
+        </p:sp>
+      </p:grpSp>
       <p:pic>
         <p:nvPicPr>
-          <p:cNvPr id="1026" name="Picture 2"/>
-          <p:cNvPicPr>
-            <a:picLocks noChangeAspect="1" noChangeArrowheads="1"/>
-          </p:cNvPicPr>
-          <p:nvPr/>
-        </p:nvPicPr>
-        <p:blipFill>
-          <a:blip r:embed="rId2">
-            <a:extLst>
-              <a:ext uri="{BEBA8EAE-BF5A-486C-A8C5-ECC9F3942E4B}">
-                <a14:imgProps xmlns:a14="http://schemas.microsoft.com/office/drawing/2010/main">
-                  <a14:imgLayer r:embed="rId3">
-                    <a14:imgEffect>
-                      <a14:saturation sat="0"/>
-                    </a14:imgEffect>
-                  </a14:imgLayer>
-                </a14:imgProps>
-              </a:ext>
-              <a:ext uri="{28A0092B-C50C-407E-A947-70E740481C1C}">
-                <a14:useLocalDpi xmlns:a14="http://schemas.microsoft.com/office/drawing/2010/main" val="0"/>
-              </a:ext>
-            </a:extLst>
-          </a:blip>
-          <a:srcRect/>
-          <a:stretch>
-            <a:fillRect/>
-          </a:stretch>
-        </p:blipFill>
-        <p:spPr bwMode="auto">
-          <a:xfrm>
-            <a:off x="0" y="0"/>
-            <a:ext cx="3657600" cy="2743200"/>
-          </a:xfrm>
-          <a:prstGeom prst="rect">
-            <a:avLst/>
-          </a:prstGeom>
-          <a:noFill/>
-          <a:ln>
-            <a:noFill/>
-          </a:ln>
-          <a:extLst>
-            <a:ext uri="{909E8E84-426E-40DD-AFC4-6F175D3DCCD1}">
-              <a14:hiddenFill xmlns:a14="http://schemas.microsoft.com/office/drawing/2010/main">
-                <a:solidFill>
-                  <a:schemeClr val="accent1"/>
-                </a:solidFill>
-              </a14:hiddenFill>
-            </a:ext>
-            <a:ext uri="{91240B29-F687-4F45-9708-019B960494DF}">
-              <a14:hiddenLine xmlns:a14="http://schemas.microsoft.com/office/drawing/2010/main" w="9525">
-                <a:solidFill>
-                  <a:schemeClr val="tx1"/>
-                </a:solidFill>
-                <a:miter lim="800000"/>
-                <a:headEnd/>
-                <a:tailEnd/>
-              </a14:hiddenLine>
-            </a:ext>
-            <a:ext uri="{AF507438-7753-43E0-B8FC-AC1667EBCBE1}">
-              <a14:hiddenEffects xmlns:a14="http://schemas.microsoft.com/office/drawing/2010/main">
-                <a:effectLst>
-                  <a:outerShdw dist="35921" dir="2700000" algn="ctr" rotWithShape="0">
-                    <a:schemeClr val="bg2"/>
-                  </a:outerShdw>
-                </a:effectLst>
-              </a14:hiddenEffects>
-            </a:ext>
-          </a:extLst>
-        </p:spPr>
-      </p:pic>
-      <p:pic>
-        <p:nvPicPr>
-          <p:cNvPr id="2" name="PPIndicator201312152222297740"/>
+          <p:cNvPr id="3" name="PPIndicator201312271400457831"/>
           <p:cNvPicPr>
             <a:picLocks/>
           </p:cNvPicPr>
           <p:nvPr/>
         </p:nvPicPr>
         <p:blipFill>
-          <a:blip r:embed="rId4" cstate="print">
+          <a:blip r:embed="rId3" cstate="print">
             <a:extLst>
               <a:ext uri="{28A0092B-C50C-407E-A947-70E740481C1C}">
                 <a14:useLocalDpi xmlns:a14="http://schemas.microsoft.com/office/drawing/2010/main" val="0"/>
@@ -3617,21 +3763,69 @@
           </a:prstGeom>
         </p:spPr>
       </p:pic>
+      <p:sp>
+        <p:nvSpPr>
+          <p:cNvPr id="6" name="Rectangle 5"/>
+          <p:cNvSpPr/>
+          <p:nvPr/>
+        </p:nvSpPr>
+        <p:spPr>
+          <a:xfrm>
+            <a:off x="-1" y="0"/>
+            <a:ext cx="3648456" cy="2734056"/>
+          </a:xfrm>
+          <a:prstGeom prst="rect">
+            <a:avLst/>
+          </a:prstGeom>
+          <a:noFill/>
+          <a:ln>
+            <a:solidFill>
+              <a:schemeClr val="bg1">
+                <a:lumMod val="75000"/>
+              </a:schemeClr>
+            </a:solidFill>
+          </a:ln>
+        </p:spPr>
+        <p:style>
+          <a:lnRef idx="2">
+            <a:schemeClr val="accent1">
+              <a:shade val="50000"/>
+            </a:schemeClr>
+          </a:lnRef>
+          <a:fillRef idx="1">
+            <a:schemeClr val="accent1"/>
+          </a:fillRef>
+          <a:effectRef idx="0">
+            <a:schemeClr val="accent1"/>
+          </a:effectRef>
+          <a:fontRef idx="minor">
+            <a:schemeClr val="lt1"/>
+          </a:fontRef>
+        </p:style>
+        <p:txBody>
+          <a:bodyPr rtlCol="0" anchor="ctr"/>
+          <a:lstStyle/>
+          <a:p>
+            <a:pPr algn="ctr"/>
+            <a:endParaRPr lang="en-US"/>
+          </a:p>
+        </p:txBody>
+      </p:sp>
     </p:spTree>
     <p:extLst>
       <p:ext uri="{BB962C8B-B14F-4D97-AF65-F5344CB8AC3E}">
-        <p14:creationId xmlns:p14="http://schemas.microsoft.com/office/powerpoint/2010/main" val="2511341728"/>
+        <p14:creationId xmlns:p14="http://schemas.microsoft.com/office/powerpoint/2010/main" val="3515018086"/>
       </p:ext>
     </p:extLst>
   </p:cSld>
   <p:clrMapOvr>
     <a:masterClrMapping/>
   </p:clrMapOvr>
-  <mc:AlternateContent xmlns:mc="http://schemas.openxmlformats.org/markup-compatibility/2006" xmlns:p14="http://schemas.microsoft.com/office/powerpoint/2010/main">
-    <mc:Choice Requires="p14">
+  <mc:AlternateContent xmlns:mc="http://schemas.openxmlformats.org/markup-compatibility/2006">
+    <mc:Choice xmlns:p14="http://schemas.microsoft.com/office/powerpoint/2010/main" Requires="p14">
       <p:transition spd="slow" p14:dur="2000" advClick="0" advTm="0"/>
     </mc:Choice>
-    <mc:Fallback xmlns="">
+    <mc:Fallback>
       <p:transition spd="slow" advClick="0" advTm="0"/>
     </mc:Fallback>
   </mc:AlternateContent>
@@ -3672,7 +3866,7 @@
                                           </p:stCondLst>
                                         </p:cTn>
                                         <p:tgtEl>
-                                          <p:spTgt spid="2"/>
+                                          <p:spTgt spid="3"/>
                                         </p:tgtEl>
                                         <p:attrNameLst>
                                           <p:attrName>style.visibility</p:attrName>
@@ -3685,26 +3879,17 @@
                                   </p:childTnLst>
                                 </p:cTn>
                               </p:par>
-                            </p:childTnLst>
-                          </p:cTn>
-                        </p:par>
-                        <p:par>
-                          <p:cTn id="7" fill="hold">
-                            <p:stCondLst>
-                              <p:cond delay="0"/>
-                            </p:stCondLst>
-                            <p:childTnLst>
                               <p:par>
-                                <p:cTn id="8" presetID="42" presetClass="path" presetSubtype="0" accel="50000" decel="50000" fill="hold" nodeType="afterEffect">
+                                <p:cTn id="7" presetID="42" presetClass="path" presetSubtype="0" accel="50000" decel="50000" fill="hold" nodeType="withEffect">
                                   <p:stCondLst>
                                     <p:cond delay="0"/>
                                   </p:stCondLst>
                                   <p:childTnLst>
-                                    <p:animMotion origin="layout" path="M 0 0 C 0.3472222 0.3125 0.3472222 0.3125 0.6944444 0.625 E" pathEditMode="relative" ptsTypes="">
+                                    <p:animMotion origin="layout" path="M 0 0 C 0.2864583 0.4146465 0.2864583 0.4146465 0.5729167 0.829293 E" pathEditMode="relative" ptsTypes="">
                                       <p:cBhvr>
-                                        <p:cTn id="9" dur="500" fill="hold"/>
+                                        <p:cTn id="8" dur="500" fill="hold"/>
                                         <p:tgtEl>
-                                          <p:spTgt spid="1026"/>
+                                          <p:spTgt spid="2"/>
                                         </p:tgtEl>
                                         <p:attrNameLst>
                                           <p:attrName>ppt_x</p:attrName>
@@ -3716,20 +3901,20 @@
                                 </p:cTn>
                               </p:par>
                               <p:par>
-                                <p:cTn id="10" presetID="6" presetClass="emph" presetSubtype="0" fill="hold" nodeType="withEffect">
+                                <p:cTn id="9" presetID="6" presetClass="emph" presetSubtype="0" fill="hold" nodeType="withEffect">
                                   <p:stCondLst>
                                     <p:cond delay="0"/>
                                   </p:stCondLst>
                                   <p:childTnLst>
                                     <p:animScale>
                                       <p:cBhvr>
-                                        <p:cTn id="11" dur="500" fill="hold"/>
+                                        <p:cTn id="10" dur="500" fill="hold"/>
                                         <p:tgtEl>
-                                          <p:spTgt spid="1026"/>
+                                          <p:spTgt spid="2"/>
                                         </p:tgtEl>
                                       </p:cBhvr>
                                       <p:by x="150000" y="150000"/>
-                                      <p:to x="297222" y="297222"/>
+                                      <p:to x="287179" y="287180"/>
                                     </p:animScale>
                                   </p:childTnLst>
                                 </p:cTn>
@@ -3765,7 +3950,207 @@
 </p:sld>
 </file>
 
-<file path=ppt/slides/slide4.xml><?xml version="1.0" encoding="utf-8"?>
+<file path=ppt/slides/slide5.xml><?xml version="1.0" encoding="utf-8"?>
+<p:sld xmlns:a="http://schemas.openxmlformats.org/drawingml/2006/main" xmlns:r="http://schemas.openxmlformats.org/officeDocument/2006/relationships" xmlns:p="http://schemas.openxmlformats.org/presentationml/2006/main">
+  <p:cSld>
+    <p:spTree>
+      <p:nvGrpSpPr>
+        <p:cNvPr id="1" name=""/>
+        <p:cNvGrpSpPr/>
+        <p:nvPr/>
+      </p:nvGrpSpPr>
+      <p:grpSpPr>
+        <a:xfrm>
+          <a:off x="0" y="0"/>
+          <a:ext cx="0" cy="0"/>
+          <a:chOff x="0" y="0"/>
+          <a:chExt cx="0" cy="0"/>
+        </a:xfrm>
+      </p:grpSpPr>
+      <p:grpSp>
+        <p:nvGrpSpPr>
+          <p:cNvPr id="2" name="Group 1"/>
+          <p:cNvGrpSpPr/>
+          <p:nvPr/>
+        </p:nvGrpSpPr>
+        <p:grpSpPr>
+          <a:xfrm>
+            <a:off x="-304800" y="-76200"/>
+            <a:ext cx="8534400" cy="7448204"/>
+            <a:chOff x="381000" y="76200"/>
+            <a:chExt cx="2971800" cy="2593571"/>
+          </a:xfrm>
+        </p:grpSpPr>
+        <p:pic>
+          <p:nvPicPr>
+            <p:cNvPr id="4" name="Picture 3" descr="File:AmineTreating.png"/>
+            <p:cNvPicPr>
+              <a:picLocks noChangeAspect="1" noChangeArrowheads="1"/>
+            </p:cNvPicPr>
+            <p:nvPr/>
+          </p:nvPicPr>
+          <p:blipFill rotWithShape="1">
+            <a:blip r:embed="rId2">
+              <a:duotone>
+                <a:schemeClr val="bg2">
+                  <a:shade val="45000"/>
+                  <a:satMod val="135000"/>
+                </a:schemeClr>
+                <a:prstClr val="white"/>
+              </a:duotone>
+              <a:extLst>
+                <a:ext uri="{28A0092B-C50C-407E-A947-70E740481C1C}">
+                  <a14:useLocalDpi xmlns:a14="http://schemas.microsoft.com/office/drawing/2010/main" val="0"/>
+                </a:ext>
+              </a:extLst>
+            </a:blip>
+            <a:srcRect l="1320" t="1116" r="1244" b="1666"/>
+            <a:stretch/>
+          </p:blipFill>
+          <p:spPr bwMode="auto">
+            <a:xfrm>
+              <a:off x="381000" y="76200"/>
+              <a:ext cx="2971800" cy="2593571"/>
+            </a:xfrm>
+            <a:prstGeom prst="rect">
+              <a:avLst/>
+            </a:prstGeom>
+            <a:noFill/>
+            <a:extLst>
+              <a:ext uri="{909E8E84-426E-40DD-AFC4-6F175D3DCCD1}">
+                <a14:hiddenFill xmlns:a14="http://schemas.microsoft.com/office/drawing/2010/main">
+                  <a:solidFill>
+                    <a:srgbClr val="FFFFFF"/>
+                  </a:solidFill>
+                </a14:hiddenFill>
+              </a:ext>
+            </a:extLst>
+          </p:spPr>
+        </p:pic>
+        <p:sp>
+          <p:nvSpPr>
+            <p:cNvPr id="5" name="Rectangle 4"/>
+            <p:cNvSpPr/>
+            <p:nvPr/>
+          </p:nvSpPr>
+          <p:spPr>
+            <a:xfrm>
+              <a:off x="457199" y="85060"/>
+              <a:ext cx="1308987" cy="981740"/>
+            </a:xfrm>
+            <a:prstGeom prst="rect">
+              <a:avLst/>
+            </a:prstGeom>
+            <a:noFill/>
+            <a:ln>
+              <a:solidFill>
+                <a:srgbClr val="0070C0"/>
+              </a:solidFill>
+            </a:ln>
+          </p:spPr>
+          <p:style>
+            <a:lnRef idx="2">
+              <a:schemeClr val="accent1">
+                <a:shade val="50000"/>
+              </a:schemeClr>
+            </a:lnRef>
+            <a:fillRef idx="1">
+              <a:schemeClr val="accent1"/>
+            </a:fillRef>
+            <a:effectRef idx="0">
+              <a:schemeClr val="accent1"/>
+            </a:effectRef>
+            <a:fontRef idx="minor">
+              <a:schemeClr val="lt1"/>
+            </a:fontRef>
+          </p:style>
+          <p:txBody>
+            <a:bodyPr rtlCol="0" anchor="ctr"/>
+            <a:lstStyle/>
+            <a:p>
+              <a:pPr algn="ctr"/>
+              <a:endParaRPr lang="en-US"/>
+            </a:p>
+          </p:txBody>
+        </p:sp>
+      </p:grpSp>
+      <p:sp>
+        <p:nvSpPr>
+          <p:cNvPr id="6" name="Rectangle 5"/>
+          <p:cNvSpPr/>
+          <p:nvPr/>
+        </p:nvSpPr>
+        <p:spPr>
+          <a:xfrm>
+            <a:off x="-1" y="0"/>
+            <a:ext cx="3648456" cy="2734056"/>
+          </a:xfrm>
+          <a:prstGeom prst="rect">
+            <a:avLst/>
+          </a:prstGeom>
+          <a:noFill/>
+          <a:ln>
+            <a:solidFill>
+              <a:schemeClr val="bg1">
+                <a:lumMod val="75000"/>
+              </a:schemeClr>
+            </a:solidFill>
+          </a:ln>
+        </p:spPr>
+        <p:style>
+          <a:lnRef idx="2">
+            <a:schemeClr val="accent1">
+              <a:shade val="50000"/>
+            </a:schemeClr>
+          </a:lnRef>
+          <a:fillRef idx="1">
+            <a:schemeClr val="accent1"/>
+          </a:fillRef>
+          <a:effectRef idx="0">
+            <a:schemeClr val="accent1"/>
+          </a:effectRef>
+          <a:fontRef idx="minor">
+            <a:schemeClr val="lt1"/>
+          </a:fontRef>
+        </p:style>
+        <p:txBody>
+          <a:bodyPr rtlCol="0" anchor="ctr"/>
+          <a:lstStyle/>
+          <a:p>
+            <a:pPr algn="ctr"/>
+            <a:endParaRPr lang="en-US"/>
+          </a:p>
+        </p:txBody>
+      </p:sp>
+    </p:spTree>
+    <p:extLst>
+      <p:ext uri="{BB962C8B-B14F-4D97-AF65-F5344CB8AC3E}">
+        <p14:creationId xmlns:p14="http://schemas.microsoft.com/office/powerpoint/2010/main" val="865097894"/>
+      </p:ext>
+    </p:extLst>
+  </p:cSld>
+  <p:clrMapOvr>
+    <a:masterClrMapping/>
+  </p:clrMapOvr>
+  <mc:AlternateContent xmlns:mc="http://schemas.openxmlformats.org/markup-compatibility/2006">
+    <mc:Choice xmlns:p14="http://schemas.microsoft.com/office/powerpoint/2010/main" Requires="p14">
+      <p:transition spd="slow" p14:dur="2000" advTm="0"/>
+    </mc:Choice>
+    <mc:Fallback>
+      <p:transition spd="slow" advTm="0"/>
+    </mc:Fallback>
+  </mc:AlternateContent>
+  <p:timing>
+    <p:tnLst>
+      <p:par>
+        <p:cTn id="1" dur="indefinite" restart="never" nodeType="tmRoot"/>
+      </p:par>
+    </p:tnLst>
+  </p:timing>
+</p:sld>
+</file>
+
+<file path=ppt/slides/slide6.xml><?xml version="1.0" encoding="utf-8"?>
 <p:sld xmlns:a="http://schemas.openxmlformats.org/drawingml/2006/main" xmlns:r="http://schemas.openxmlformats.org/officeDocument/2006/relationships" xmlns:p="http://schemas.openxmlformats.org/presentationml/2006/main">
   <p:cSld>
     <p:spTree>
@@ -3784,92 +4169,118 @@
       </p:grpSpPr>
       <p:pic>
         <p:nvPicPr>
-          <p:cNvPr id="3" name="Picture 2"/>
+          <p:cNvPr id="4" name="Picture 3" descr="File:AmineTreating.png"/>
           <p:cNvPicPr>
             <a:picLocks noChangeAspect="1" noChangeArrowheads="1"/>
           </p:cNvPicPr>
           <p:nvPr/>
         </p:nvPicPr>
-        <p:blipFill>
+        <p:blipFill rotWithShape="1">
           <a:blip r:embed="rId2">
+            <a:duotone>
+              <a:schemeClr val="bg2">
+                <a:shade val="45000"/>
+                <a:satMod val="135000"/>
+              </a:schemeClr>
+              <a:prstClr val="white"/>
+            </a:duotone>
             <a:extLst>
-              <a:ext uri="{BEBA8EAE-BF5A-486C-A8C5-ECC9F3942E4B}">
-                <a14:imgProps xmlns:a14="http://schemas.microsoft.com/office/drawing/2010/main">
-                  <a14:imgLayer r:embed="rId3">
-                    <a14:imgEffect>
-                      <a14:saturation sat="0"/>
-                    </a14:imgEffect>
-                  </a14:imgLayer>
-                </a14:imgProps>
-              </a:ext>
               <a:ext uri="{28A0092B-C50C-407E-A947-70E740481C1C}">
                 <a14:useLocalDpi xmlns:a14="http://schemas.microsoft.com/office/drawing/2010/main" val="0"/>
               </a:ext>
             </a:extLst>
           </a:blip>
-          <a:srcRect/>
-          <a:stretch>
-            <a:fillRect/>
-          </a:stretch>
+          <a:srcRect l="1320" t="1116" r="1244" b="1666"/>
+          <a:stretch/>
         </p:blipFill>
         <p:spPr bwMode="auto">
           <a:xfrm>
-            <a:off x="-1066800" y="-990600"/>
-            <a:ext cx="10871200" cy="8153400"/>
+            <a:off x="-304800" y="-76200"/>
+            <a:ext cx="8534400" cy="7448204"/>
+          </a:xfrm>
+          <a:prstGeom prst="rect">
+            <a:avLst/>
+          </a:prstGeom>
+          <a:noFill/>
+          <a:extLst>
+            <a:ext uri="{909E8E84-426E-40DD-AFC4-6F175D3DCCD1}">
+              <a14:hiddenFill xmlns:a14="http://schemas.microsoft.com/office/drawing/2010/main">
+                <a:solidFill>
+                  <a:srgbClr val="FFFFFF"/>
+                </a:solidFill>
+              </a14:hiddenFill>
+            </a:ext>
+          </a:extLst>
+        </p:spPr>
+      </p:pic>
+      <p:sp>
+        <p:nvSpPr>
+          <p:cNvPr id="6" name="Rectangle 5"/>
+          <p:cNvSpPr/>
+          <p:nvPr/>
+        </p:nvSpPr>
+        <p:spPr>
+          <a:xfrm>
+            <a:off x="-1" y="0"/>
+            <a:ext cx="3648456" cy="2734056"/>
           </a:xfrm>
           <a:prstGeom prst="rect">
             <a:avLst/>
           </a:prstGeom>
           <a:noFill/>
           <a:ln>
-            <a:noFill/>
+            <a:solidFill>
+              <a:schemeClr val="bg1">
+                <a:lumMod val="75000"/>
+              </a:schemeClr>
+            </a:solidFill>
           </a:ln>
-          <a:extLst>
-            <a:ext uri="{909E8E84-426E-40DD-AFC4-6F175D3DCCD1}">
-              <a14:hiddenFill xmlns:a14="http://schemas.microsoft.com/office/drawing/2010/main">
-                <a:solidFill>
-                  <a:schemeClr val="accent1"/>
-                </a:solidFill>
-              </a14:hiddenFill>
-            </a:ext>
-            <a:ext uri="{91240B29-F687-4F45-9708-019B960494DF}">
-              <a14:hiddenLine xmlns:a14="http://schemas.microsoft.com/office/drawing/2010/main" w="9525">
-                <a:solidFill>
-                  <a:schemeClr val="tx1"/>
-                </a:solidFill>
-                <a:miter lim="800000"/>
-                <a:headEnd/>
-                <a:tailEnd/>
-              </a14:hiddenLine>
-            </a:ext>
-            <a:ext uri="{AF507438-7753-43E0-B8FC-AC1667EBCBE1}">
-              <a14:hiddenEffects xmlns:a14="http://schemas.microsoft.com/office/drawing/2010/main">
-                <a:effectLst>
-                  <a:outerShdw dist="35921" dir="2700000" algn="ctr" rotWithShape="0">
-                    <a:schemeClr val="bg2"/>
-                  </a:outerShdw>
-                </a:effectLst>
-              </a14:hiddenEffects>
-            </a:ext>
-          </a:extLst>
         </p:spPr>
-      </p:pic>
+        <p:style>
+          <a:lnRef idx="2">
+            <a:schemeClr val="accent1">
+              <a:shade val="50000"/>
+            </a:schemeClr>
+          </a:lnRef>
+          <a:fillRef idx="1">
+            <a:schemeClr val="accent1"/>
+          </a:fillRef>
+          <a:effectRef idx="0">
+            <a:schemeClr val="accent1"/>
+          </a:effectRef>
+          <a:fontRef idx="minor">
+            <a:schemeClr val="lt1"/>
+          </a:fontRef>
+        </p:style>
+        <p:txBody>
+          <a:bodyPr rtlCol="0" anchor="ctr"/>
+          <a:lstStyle/>
+          <a:p>
+            <a:pPr algn="ctr"/>
+            <a:endParaRPr lang="en-US"/>
+          </a:p>
+        </p:txBody>
+      </p:sp>
     </p:spTree>
     <p:extLst>
       <p:ext uri="{BB962C8B-B14F-4D97-AF65-F5344CB8AC3E}">
-        <p14:creationId xmlns:p14="http://schemas.microsoft.com/office/powerpoint/2010/main" val="2384810324"/>
+        <p14:creationId xmlns:p14="http://schemas.microsoft.com/office/powerpoint/2010/main" val="3001224534"/>
       </p:ext>
     </p:extLst>
   </p:cSld>
   <p:clrMapOvr>
     <a:masterClrMapping/>
   </p:clrMapOvr>
-  <mc:AlternateContent xmlns:mc="http://schemas.openxmlformats.org/markup-compatibility/2006" xmlns:p14="http://schemas.microsoft.com/office/powerpoint/2010/main">
-    <mc:Choice Requires="p14">
-      <p:transition spd="med" p14:dur="700" advTm="1000"/>
+  <mc:AlternateContent xmlns:mc="http://schemas.openxmlformats.org/markup-compatibility/2006">
+    <mc:Choice xmlns:p14="http://schemas.microsoft.com/office/powerpoint/2010/main" Requires="p14">
+      <p:transition spd="med" p14:dur="700" advTm="1000">
+        <p:fade/>
+      </p:transition>
     </mc:Choice>
-    <mc:Fallback xmlns="">
-      <p:transition spd="med" advTm="1000"/>
+    <mc:Fallback>
+      <p:transition spd="med" advTm="1000">
+        <p:fade/>
+      </p:transition>
     </mc:Fallback>
   </mc:AlternateContent>
   <p:timing>
@@ -3882,9 +4293,9 @@
 </p:sld>
 </file>
 
-<file path=ppt/slides/slide5.xml><?xml version="1.0" encoding="utf-8"?>
+<file path=ppt/slides/slide7.xml><?xml version="1.0" encoding="utf-8"?>
 <p:sld xmlns:a="http://schemas.openxmlformats.org/drawingml/2006/main" xmlns:r="http://schemas.openxmlformats.org/officeDocument/2006/relationships" xmlns:p="http://schemas.openxmlformats.org/presentationml/2006/main">
-  <p:cSld name="PPSlide201312152222530920">
+  <p:cSld name="PPSlide201312271402454890">
     <p:spTree>
       <p:nvGrpSpPr>
         <p:cNvPr id="1" name=""/>
@@ -3901,86 +4312,60 @@
       </p:grpSpPr>
       <p:pic>
         <p:nvPicPr>
-          <p:cNvPr id="3" name="Picture 2"/>
+          <p:cNvPr id="4" name="Picture 3" descr="File:AmineTreating.png"/>
           <p:cNvPicPr>
             <a:picLocks noChangeAspect="1" noChangeArrowheads="1"/>
           </p:cNvPicPr>
           <p:nvPr/>
         </p:nvPicPr>
-        <p:blipFill>
+        <p:blipFill rotWithShape="1">
           <a:blip r:embed="rId2">
+            <a:duotone>
+              <a:schemeClr val="bg2">
+                <a:shade val="45000"/>
+                <a:satMod val="135000"/>
+              </a:schemeClr>
+              <a:prstClr val="white"/>
+            </a:duotone>
             <a:extLst>
-              <a:ext uri="{BEBA8EAE-BF5A-486C-A8C5-ECC9F3942E4B}">
-                <a14:imgProps xmlns:a14="http://schemas.microsoft.com/office/drawing/2010/main">
-                  <a14:imgLayer r:embed="rId3">
-                    <a14:imgEffect>
-                      <a14:saturation sat="0"/>
-                    </a14:imgEffect>
-                  </a14:imgLayer>
-                </a14:imgProps>
-              </a:ext>
               <a:ext uri="{28A0092B-C50C-407E-A947-70E740481C1C}">
                 <a14:useLocalDpi xmlns:a14="http://schemas.microsoft.com/office/drawing/2010/main" val="0"/>
               </a:ext>
             </a:extLst>
           </a:blip>
-          <a:srcRect/>
-          <a:stretch>
-            <a:fillRect/>
-          </a:stretch>
+          <a:srcRect l="1320" t="1116" r="1244" b="1666"/>
+          <a:stretch/>
         </p:blipFill>
         <p:spPr bwMode="auto">
           <a:xfrm>
-            <a:off x="-1066800" y="-990600"/>
-            <a:ext cx="10871200" cy="8153400"/>
+            <a:off x="-304800" y="-76200"/>
+            <a:ext cx="8534400" cy="7448204"/>
           </a:xfrm>
           <a:prstGeom prst="rect">
             <a:avLst/>
           </a:prstGeom>
           <a:noFill/>
-          <a:ln>
-            <a:noFill/>
-          </a:ln>
           <a:extLst>
             <a:ext uri="{909E8E84-426E-40DD-AFC4-6F175D3DCCD1}">
               <a14:hiddenFill xmlns:a14="http://schemas.microsoft.com/office/drawing/2010/main">
                 <a:solidFill>
-                  <a:schemeClr val="accent1"/>
+                  <a:srgbClr val="FFFFFF"/>
                 </a:solidFill>
               </a14:hiddenFill>
-            </a:ext>
-            <a:ext uri="{91240B29-F687-4F45-9708-019B960494DF}">
-              <a14:hiddenLine xmlns:a14="http://schemas.microsoft.com/office/drawing/2010/main" w="9525">
-                <a:solidFill>
-                  <a:schemeClr val="tx1"/>
-                </a:solidFill>
-                <a:miter lim="800000"/>
-                <a:headEnd/>
-                <a:tailEnd/>
-              </a14:hiddenLine>
-            </a:ext>
-            <a:ext uri="{AF507438-7753-43E0-B8FC-AC1667EBCBE1}">
-              <a14:hiddenEffects xmlns:a14="http://schemas.microsoft.com/office/drawing/2010/main">
-                <a:effectLst>
-                  <a:outerShdw dist="35921" dir="2700000" algn="ctr" rotWithShape="0">
-                    <a:schemeClr val="bg2"/>
-                  </a:outerShdw>
-                </a:effectLst>
-              </a14:hiddenEffects>
             </a:ext>
           </a:extLst>
         </p:spPr>
       </p:pic>
       <p:pic>
         <p:nvPicPr>
-          <p:cNvPr id="2" name="PPIndicator201312152222531320"/>
+          <p:cNvPr id="2" name="PPIndicator201312271402455020"/>
           <p:cNvPicPr>
             <a:picLocks/>
           </p:cNvPicPr>
           <p:nvPr/>
         </p:nvPicPr>
         <p:blipFill>
-          <a:blip r:embed="rId4" cstate="print">
+          <a:blip r:embed="rId3" cstate="print">
             <a:extLst>
               <a:ext uri="{28A0092B-C50C-407E-A947-70E740481C1C}">
                 <a14:useLocalDpi xmlns:a14="http://schemas.microsoft.com/office/drawing/2010/main" val="0"/>
@@ -4001,22 +4386,70 @@
           </a:prstGeom>
         </p:spPr>
       </p:pic>
+      <p:sp>
+        <p:nvSpPr>
+          <p:cNvPr id="5" name="Rectangle 4"/>
+          <p:cNvSpPr/>
+          <p:nvPr/>
+        </p:nvSpPr>
+        <p:spPr>
+          <a:xfrm>
+            <a:off x="-1" y="0"/>
+            <a:ext cx="3648456" cy="2734056"/>
+          </a:xfrm>
+          <a:prstGeom prst="rect">
+            <a:avLst/>
+          </a:prstGeom>
+          <a:noFill/>
+          <a:ln>
+            <a:solidFill>
+              <a:schemeClr val="bg1">
+                <a:lumMod val="75000"/>
+              </a:schemeClr>
+            </a:solidFill>
+          </a:ln>
+        </p:spPr>
+        <p:style>
+          <a:lnRef idx="2">
+            <a:schemeClr val="accent1">
+              <a:shade val="50000"/>
+            </a:schemeClr>
+          </a:lnRef>
+          <a:fillRef idx="1">
+            <a:schemeClr val="accent1"/>
+          </a:fillRef>
+          <a:effectRef idx="0">
+            <a:schemeClr val="accent1"/>
+          </a:effectRef>
+          <a:fontRef idx="minor">
+            <a:schemeClr val="lt1"/>
+          </a:fontRef>
+        </p:style>
+        <p:txBody>
+          <a:bodyPr rtlCol="0" anchor="ctr"/>
+          <a:lstStyle/>
+          <a:p>
+            <a:pPr algn="ctr"/>
+            <a:endParaRPr lang="en-US"/>
+          </a:p>
+        </p:txBody>
+      </p:sp>
     </p:spTree>
     <p:extLst>
       <p:ext uri="{BB962C8B-B14F-4D97-AF65-F5344CB8AC3E}">
-        <p14:creationId xmlns:p14="http://schemas.microsoft.com/office/powerpoint/2010/main" val="685401016"/>
+        <p14:creationId xmlns:p14="http://schemas.microsoft.com/office/powerpoint/2010/main" val="3414599703"/>
       </p:ext>
     </p:extLst>
   </p:cSld>
   <p:clrMapOvr>
     <a:masterClrMapping/>
   </p:clrMapOvr>
-  <mc:AlternateContent xmlns:mc="http://schemas.openxmlformats.org/markup-compatibility/2006" xmlns:p14="http://schemas.microsoft.com/office/powerpoint/2010/main">
-    <mc:Choice Requires="p14">
-      <p:transition spd="med" p14:dur="700" advClick="0" advTm="0"/>
+  <mc:AlternateContent xmlns:mc="http://schemas.openxmlformats.org/markup-compatibility/2006">
+    <mc:Choice xmlns:p14="http://schemas.microsoft.com/office/powerpoint/2010/main" Requires="p14">
+      <p:transition spd="slow" p14:dur="2000" advClick="0" advTm="0"/>
     </mc:Choice>
-    <mc:Fallback xmlns="">
-      <p:transition spd="med" advClick="0" advTm="0"/>
+    <mc:Fallback>
+      <p:transition spd="slow" advClick="0" advTm="0"/>
     </mc:Fallback>
   </mc:AlternateContent>
   <p:timing>
@@ -4075,11 +4508,11 @@
                                     <p:cond delay="0"/>
                                   </p:stCondLst>
                                   <p:childTnLst>
-                                    <p:animMotion origin="layout" path="M 0 0 C -0.3472222 -0.3125 -0.3472222 -0.3125 -0.6944444 -0.625 E" pathEditMode="relative" ptsTypes="">
+                                    <p:animMotion origin="layout" path="M 0 0 C -0.2864583 -0.4146465 -0.2864583 -0.4146465 -0.5729167 -0.829293 E" pathEditMode="relative" ptsTypes="">
                                       <p:cBhvr>
                                         <p:cTn id="8" dur="500" fill="hold"/>
                                         <p:tgtEl>
-                                          <p:spTgt spid="3"/>
+                                          <p:spTgt spid="4"/>
                                         </p:tgtEl>
                                         <p:attrNameLst>
                                           <p:attrName>ppt_x</p:attrName>
@@ -4100,11 +4533,11 @@
                                       <p:cBhvr>
                                         <p:cTn id="10" dur="500" fill="hold"/>
                                         <p:tgtEl>
-                                          <p:spTgt spid="3"/>
+                                          <p:spTgt spid="4"/>
                                         </p:tgtEl>
                                       </p:cBhvr>
                                       <p:by x="150000" y="150000"/>
-                                      <p:to x="33645" y="33645"/>
+                                      <p:to x="34821" y="34821"/>
                                     </p:animScale>
                                   </p:childTnLst>
                                 </p:cTn>
@@ -4140,7 +4573,7 @@
 </p:sld>
 </file>
 
-<file path=ppt/slides/slide6.xml><?xml version="1.0" encoding="utf-8"?>
+<file path=ppt/slides/slide8.xml><?xml version="1.0" encoding="utf-8"?>
 <p:sld xmlns:a="http://schemas.openxmlformats.org/drawingml/2006/main" xmlns:r="http://schemas.openxmlformats.org/officeDocument/2006/relationships" xmlns:p="http://schemas.openxmlformats.org/presentationml/2006/main">
   <p:cSld>
     <p:spTree>
@@ -4159,72 +4592,46 @@
       </p:grpSpPr>
       <p:pic>
         <p:nvPicPr>
-          <p:cNvPr id="1026" name="Picture 2"/>
+          <p:cNvPr id="4" name="Picture 3" descr="File:AmineTreating.png"/>
           <p:cNvPicPr>
             <a:picLocks noChangeAspect="1" noChangeArrowheads="1"/>
           </p:cNvPicPr>
           <p:nvPr/>
         </p:nvPicPr>
-        <p:blipFill>
+        <p:blipFill rotWithShape="1">
           <a:blip r:embed="rId2">
+            <a:duotone>
+              <a:schemeClr val="bg2">
+                <a:shade val="45000"/>
+                <a:satMod val="135000"/>
+              </a:schemeClr>
+              <a:prstClr val="white"/>
+            </a:duotone>
             <a:extLst>
-              <a:ext uri="{BEBA8EAE-BF5A-486C-A8C5-ECC9F3942E4B}">
-                <a14:imgProps xmlns:a14="http://schemas.microsoft.com/office/drawing/2010/main">
-                  <a14:imgLayer r:embed="rId3">
-                    <a14:imgEffect>
-                      <a14:saturation sat="0"/>
-                    </a14:imgEffect>
-                  </a14:imgLayer>
-                </a14:imgProps>
-              </a:ext>
               <a:ext uri="{28A0092B-C50C-407E-A947-70E740481C1C}">
                 <a14:useLocalDpi xmlns:a14="http://schemas.microsoft.com/office/drawing/2010/main" val="0"/>
               </a:ext>
             </a:extLst>
           </a:blip>
-          <a:srcRect/>
-          <a:stretch>
-            <a:fillRect/>
-          </a:stretch>
+          <a:srcRect l="1320" t="1116" r="1244" b="1666"/>
+          <a:stretch/>
         </p:blipFill>
         <p:spPr bwMode="auto">
           <a:xfrm>
-            <a:off x="0" y="0"/>
-            <a:ext cx="3657600" cy="2743200"/>
+            <a:off x="381000" y="76200"/>
+            <a:ext cx="2971800" cy="2593571"/>
           </a:xfrm>
           <a:prstGeom prst="rect">
             <a:avLst/>
           </a:prstGeom>
           <a:noFill/>
-          <a:ln>
-            <a:noFill/>
-          </a:ln>
           <a:extLst>
             <a:ext uri="{909E8E84-426E-40DD-AFC4-6F175D3DCCD1}">
               <a14:hiddenFill xmlns:a14="http://schemas.microsoft.com/office/drawing/2010/main">
                 <a:solidFill>
-                  <a:schemeClr val="accent1"/>
+                  <a:srgbClr val="FFFFFF"/>
                 </a:solidFill>
               </a14:hiddenFill>
-            </a:ext>
-            <a:ext uri="{91240B29-F687-4F45-9708-019B960494DF}">
-              <a14:hiddenLine xmlns:a14="http://schemas.microsoft.com/office/drawing/2010/main" w="9525">
-                <a:solidFill>
-                  <a:schemeClr val="tx1"/>
-                </a:solidFill>
-                <a:miter lim="800000"/>
-                <a:headEnd/>
-                <a:tailEnd/>
-              </a14:hiddenLine>
-            </a:ext>
-            <a:ext uri="{AF507438-7753-43E0-B8FC-AC1667EBCBE1}">
-              <a14:hiddenEffects xmlns:a14="http://schemas.microsoft.com/office/drawing/2010/main">
-                <a:effectLst>
-                  <a:outerShdw dist="35921" dir="2700000" algn="ctr" rotWithShape="0">
-                    <a:schemeClr val="bg2"/>
-                  </a:outerShdw>
-                </a:effectLst>
-              </a14:hiddenEffects>
             </a:ext>
           </a:extLst>
         </p:spPr>
@@ -4232,19 +4639,23 @@
     </p:spTree>
     <p:extLst>
       <p:ext uri="{BB962C8B-B14F-4D97-AF65-F5344CB8AC3E}">
-        <p14:creationId xmlns:p14="http://schemas.microsoft.com/office/powerpoint/2010/main" val="1965053673"/>
+        <p14:creationId xmlns:p14="http://schemas.microsoft.com/office/powerpoint/2010/main" val="771683677"/>
       </p:ext>
     </p:extLst>
   </p:cSld>
   <p:clrMapOvr>
     <a:masterClrMapping/>
   </p:clrMapOvr>
-  <mc:AlternateContent xmlns:mc="http://schemas.openxmlformats.org/markup-compatibility/2006" xmlns:p14="http://schemas.microsoft.com/office/powerpoint/2010/main">
-    <mc:Choice Requires="p14">
-      <p:transition spd="slow" p14:dur="2000" advTm="1000"/>
+  <mc:AlternateContent xmlns:mc="http://schemas.openxmlformats.org/markup-compatibility/2006">
+    <mc:Choice xmlns:p14="http://schemas.microsoft.com/office/powerpoint/2010/main" Requires="p14">
+      <p:transition spd="med" p14:dur="700" advTm="1000">
+        <p:fade/>
+      </p:transition>
     </mc:Choice>
-    <mc:Fallback xmlns="">
-      <p:transition spd="slow" advTm="1000"/>
+    <mc:Fallback>
+      <p:transition spd="med" advTm="1000">
+        <p:fade/>
+      </p:transition>
     </mc:Fallback>
   </mc:AlternateContent>
   <p:timing>
@@ -4257,7 +4668,7 @@
 </p:sld>
 </file>
 
-<file path=ppt/slides/slide7.xml><?xml version="1.0" encoding="utf-8"?>
+<file path=ppt/slides/slide9.xml><?xml version="1.0" encoding="utf-8"?>
 <p:sld xmlns:a="http://schemas.openxmlformats.org/drawingml/2006/main" xmlns:r="http://schemas.openxmlformats.org/officeDocument/2006/relationships" xmlns:p="http://schemas.openxmlformats.org/presentationml/2006/main" show="0">
   <p:cSld name="PPAck201312152206286080">
     <p:spTree>

--- a/doc/Zoom to area gif.pptx
+++ b/doc/Zoom to area gif.pptx
@@ -296,7 +296,7 @@
           <a:p>
             <a:fld id="{1C243D36-5217-48BF-A097-7AA0FC8B35E5}" type="datetimeFigureOut">
               <a:rPr lang="en-US" smtClean="0"/>
-              <a:t>12/27/2013</a:t>
+              <a:t>2/2/2014</a:t>
             </a:fld>
             <a:endParaRPr lang="en-US"/>
           </a:p>
@@ -466,7 +466,7 @@
           <a:p>
             <a:fld id="{1C243D36-5217-48BF-A097-7AA0FC8B35E5}" type="datetimeFigureOut">
               <a:rPr lang="en-US" smtClean="0"/>
-              <a:t>12/27/2013</a:t>
+              <a:t>2/2/2014</a:t>
             </a:fld>
             <a:endParaRPr lang="en-US"/>
           </a:p>
@@ -646,7 +646,7 @@
           <a:p>
             <a:fld id="{1C243D36-5217-48BF-A097-7AA0FC8B35E5}" type="datetimeFigureOut">
               <a:rPr lang="en-US" smtClean="0"/>
-              <a:t>12/27/2013</a:t>
+              <a:t>2/2/2014</a:t>
             </a:fld>
             <a:endParaRPr lang="en-US"/>
           </a:p>
@@ -816,7 +816,7 @@
           <a:p>
             <a:fld id="{1C243D36-5217-48BF-A097-7AA0FC8B35E5}" type="datetimeFigureOut">
               <a:rPr lang="en-US" smtClean="0"/>
-              <a:t>12/27/2013</a:t>
+              <a:t>2/2/2014</a:t>
             </a:fld>
             <a:endParaRPr lang="en-US"/>
           </a:p>
@@ -1069,7 +1069,7 @@
           <a:p>
             <a:fld id="{1C243D36-5217-48BF-A097-7AA0FC8B35E5}" type="datetimeFigureOut">
               <a:rPr lang="en-US" smtClean="0"/>
-              <a:t>12/27/2013</a:t>
+              <a:t>2/2/2014</a:t>
             </a:fld>
             <a:endParaRPr lang="en-US"/>
           </a:p>
@@ -1357,7 +1357,7 @@
           <a:p>
             <a:fld id="{1C243D36-5217-48BF-A097-7AA0FC8B35E5}" type="datetimeFigureOut">
               <a:rPr lang="en-US" smtClean="0"/>
-              <a:t>12/27/2013</a:t>
+              <a:t>2/2/2014</a:t>
             </a:fld>
             <a:endParaRPr lang="en-US"/>
           </a:p>
@@ -1784,7 +1784,7 @@
           <a:p>
             <a:fld id="{1C243D36-5217-48BF-A097-7AA0FC8B35E5}" type="datetimeFigureOut">
               <a:rPr lang="en-US" smtClean="0"/>
-              <a:t>12/27/2013</a:t>
+              <a:t>2/2/2014</a:t>
             </a:fld>
             <a:endParaRPr lang="en-US"/>
           </a:p>
@@ -1902,7 +1902,7 @@
           <a:p>
             <a:fld id="{1C243D36-5217-48BF-A097-7AA0FC8B35E5}" type="datetimeFigureOut">
               <a:rPr lang="en-US" smtClean="0"/>
-              <a:t>12/27/2013</a:t>
+              <a:t>2/2/2014</a:t>
             </a:fld>
             <a:endParaRPr lang="en-US"/>
           </a:p>
@@ -1997,7 +1997,7 @@
           <a:p>
             <a:fld id="{1C243D36-5217-48BF-A097-7AA0FC8B35E5}" type="datetimeFigureOut">
               <a:rPr lang="en-US" smtClean="0"/>
-              <a:t>12/27/2013</a:t>
+              <a:t>2/2/2014</a:t>
             </a:fld>
             <a:endParaRPr lang="en-US"/>
           </a:p>
@@ -2274,7 +2274,7 @@
           <a:p>
             <a:fld id="{1C243D36-5217-48BF-A097-7AA0FC8B35E5}" type="datetimeFigureOut">
               <a:rPr lang="en-US" smtClean="0"/>
-              <a:t>12/27/2013</a:t>
+              <a:t>2/2/2014</a:t>
             </a:fld>
             <a:endParaRPr lang="en-US"/>
           </a:p>
@@ -2527,7 +2527,7 @@
           <a:p>
             <a:fld id="{1C243D36-5217-48BF-A097-7AA0FC8B35E5}" type="datetimeFigureOut">
               <a:rPr lang="en-US" smtClean="0"/>
-              <a:t>12/27/2013</a:t>
+              <a:t>2/2/2014</a:t>
             </a:fld>
             <a:endParaRPr lang="en-US"/>
           </a:p>
@@ -2743,7 +2743,7 @@
           <a:p>
             <a:fld id="{1C243D36-5217-48BF-A097-7AA0FC8B35E5}" type="datetimeFigureOut">
               <a:rPr lang="en-US" smtClean="0"/>
-              <a:t>12/27/2013</a:t>
+              <a:t>2/2/2014</a:t>
             </a:fld>
             <a:endParaRPr lang="en-US"/>
           </a:p>
@@ -3821,11 +3821,11 @@
   <p:clrMapOvr>
     <a:masterClrMapping/>
   </p:clrMapOvr>
-  <mc:AlternateContent xmlns:mc="http://schemas.openxmlformats.org/markup-compatibility/2006">
-    <mc:Choice xmlns:p14="http://schemas.microsoft.com/office/powerpoint/2010/main" Requires="p14">
+  <mc:AlternateContent xmlns:mc="http://schemas.openxmlformats.org/markup-compatibility/2006" xmlns:p14="http://schemas.microsoft.com/office/powerpoint/2010/main">
+    <mc:Choice Requires="p14">
       <p:transition spd="slow" p14:dur="2000" advClick="0" advTm="0"/>
     </mc:Choice>
-    <mc:Fallback>
+    <mc:Fallback xmlns="">
       <p:transition spd="slow" advClick="0" advTm="0"/>
     </mc:Fallback>
   </mc:AlternateContent>
@@ -3880,7 +3880,7 @@
                                 </p:cTn>
                               </p:par>
                               <p:par>
-                                <p:cTn id="7" presetID="42" presetClass="path" presetSubtype="0" accel="50000" decel="50000" fill="hold" nodeType="withEffect">
+                                <p:cTn id="7" presetID="42" presetClass="path" presetSubtype="0" fill="hold" nodeType="withEffect">
                                   <p:stCondLst>
                                     <p:cond delay="0"/>
                                   </p:stCondLst>
@@ -4132,11 +4132,11 @@
   <p:clrMapOvr>
     <a:masterClrMapping/>
   </p:clrMapOvr>
-  <mc:AlternateContent xmlns:mc="http://schemas.openxmlformats.org/markup-compatibility/2006">
-    <mc:Choice xmlns:p14="http://schemas.microsoft.com/office/powerpoint/2010/main" Requires="p14">
+  <mc:AlternateContent xmlns:mc="http://schemas.openxmlformats.org/markup-compatibility/2006" xmlns:p14="http://schemas.microsoft.com/office/powerpoint/2010/main">
+    <mc:Choice Requires="p14">
       <p:transition spd="slow" p14:dur="2000" advTm="0"/>
     </mc:Choice>
-    <mc:Fallback>
+    <mc:Fallback xmlns="">
       <p:transition spd="slow" advTm="0"/>
     </mc:Fallback>
   </mc:AlternateContent>
@@ -4271,13 +4271,13 @@
   <p:clrMapOvr>
     <a:masterClrMapping/>
   </p:clrMapOvr>
-  <mc:AlternateContent xmlns:mc="http://schemas.openxmlformats.org/markup-compatibility/2006">
-    <mc:Choice xmlns:p14="http://schemas.microsoft.com/office/powerpoint/2010/main" Requires="p14">
+  <mc:AlternateContent xmlns:mc="http://schemas.openxmlformats.org/markup-compatibility/2006" xmlns:p14="http://schemas.microsoft.com/office/powerpoint/2010/main">
+    <mc:Choice Requires="p14">
       <p:transition spd="med" p14:dur="700" advTm="1000">
         <p:fade/>
       </p:transition>
     </mc:Choice>
-    <mc:Fallback>
+    <mc:Fallback xmlns="">
       <p:transition spd="med" advTm="1000">
         <p:fade/>
       </p:transition>
@@ -4444,11 +4444,11 @@
   <p:clrMapOvr>
     <a:masterClrMapping/>
   </p:clrMapOvr>
-  <mc:AlternateContent xmlns:mc="http://schemas.openxmlformats.org/markup-compatibility/2006">
-    <mc:Choice xmlns:p14="http://schemas.microsoft.com/office/powerpoint/2010/main" Requires="p14">
+  <mc:AlternateContent xmlns:mc="http://schemas.openxmlformats.org/markup-compatibility/2006" xmlns:p14="http://schemas.microsoft.com/office/powerpoint/2010/main">
+    <mc:Choice Requires="p14">
       <p:transition spd="slow" p14:dur="2000" advClick="0" advTm="0"/>
     </mc:Choice>
-    <mc:Fallback>
+    <mc:Fallback xmlns="">
       <p:transition spd="slow" advClick="0" advTm="0"/>
     </mc:Fallback>
   </mc:AlternateContent>
@@ -4503,7 +4503,7 @@
                                 </p:cTn>
                               </p:par>
                               <p:par>
-                                <p:cTn id="7" presetID="42" presetClass="path" presetSubtype="0" accel="50000" decel="50000" fill="hold" nodeType="withEffect">
+                                <p:cTn id="7" presetID="42" presetClass="path" presetSubtype="0" fill="hold" nodeType="withEffect">
                                   <p:stCondLst>
                                     <p:cond delay="0"/>
                                   </p:stCondLst>
@@ -4646,13 +4646,13 @@
   <p:clrMapOvr>
     <a:masterClrMapping/>
   </p:clrMapOvr>
-  <mc:AlternateContent xmlns:mc="http://schemas.openxmlformats.org/markup-compatibility/2006">
-    <mc:Choice xmlns:p14="http://schemas.microsoft.com/office/powerpoint/2010/main" Requires="p14">
+  <mc:AlternateContent xmlns:mc="http://schemas.openxmlformats.org/markup-compatibility/2006" xmlns:p14="http://schemas.microsoft.com/office/powerpoint/2010/main">
+    <mc:Choice Requires="p14">
       <p:transition spd="med" p14:dur="700" advTm="1000">
         <p:fade/>
       </p:transition>
     </mc:Choice>
-    <mc:Fallback>
+    <mc:Fallback xmlns="">
       <p:transition spd="med" advTm="1000">
         <p:fade/>
       </p:transition>
